--- a/开发部署一体化PPT/build&deploy.pptx
+++ b/开发部署一体化PPT/build&deploy.pptx
@@ -5,7 +5,7 @@
     <p:sldMasterId id="2147483648" r:id="rId1"/>
   </p:sldMasterIdLst>
   <p:notesMasterIdLst>
-    <p:notesMasterId r:id="rId30"/>
+    <p:notesMasterId r:id="rId34"/>
   </p:notesMasterIdLst>
   <p:sldIdLst>
     <p:sldId id="256" r:id="rId2"/>
@@ -36,6 +36,10 @@
     <p:sldId id="280" r:id="rId27"/>
     <p:sldId id="281" r:id="rId28"/>
     <p:sldId id="284" r:id="rId29"/>
+    <p:sldId id="285" r:id="rId30"/>
+    <p:sldId id="286" r:id="rId31"/>
+    <p:sldId id="287" r:id="rId32"/>
+    <p:sldId id="288" r:id="rId33"/>
   </p:sldIdLst>
   <p:sldSz cx="9144000" cy="6858000" type="screen4x3"/>
   <p:notesSz cx="6858000" cy="9144000"/>
@@ -219,7 +223,7 @@
           <a:p>
             <a:fld id="{F63AB88B-47A8-4B5C-A33A-DD4E7C218E4E}" type="datetimeFigureOut">
               <a:rPr lang="zh-CN" altLang="en-US" smtClean="0"/>
-              <a:t>2016/8/25</a:t>
+              <a:t>2016/9/9</a:t>
             </a:fld>
             <a:endParaRPr lang="zh-CN" altLang="en-US"/>
           </a:p>
@@ -2703,7 +2707,7 @@
           <a:p>
             <a:fld id="{530820CF-B880-4189-942D-D702A7CBA730}" type="datetimeFigureOut">
               <a:rPr lang="zh-CN" altLang="en-US" smtClean="0"/>
-              <a:t>2016/8/25</a:t>
+              <a:t>2016/9/9</a:t>
             </a:fld>
             <a:endParaRPr lang="zh-CN" altLang="en-US"/>
           </a:p>
@@ -2868,7 +2872,7 @@
           <a:p>
             <a:fld id="{530820CF-B880-4189-942D-D702A7CBA730}" type="datetimeFigureOut">
               <a:rPr lang="zh-CN" altLang="en-US" smtClean="0"/>
-              <a:t>2016/8/25</a:t>
+              <a:t>2016/9/9</a:t>
             </a:fld>
             <a:endParaRPr lang="zh-CN" altLang="en-US"/>
           </a:p>
@@ -3043,7 +3047,7 @@
           <a:p>
             <a:fld id="{530820CF-B880-4189-942D-D702A7CBA730}" type="datetimeFigureOut">
               <a:rPr lang="zh-CN" altLang="en-US" smtClean="0"/>
-              <a:t>2016/8/25</a:t>
+              <a:t>2016/9/9</a:t>
             </a:fld>
             <a:endParaRPr lang="zh-CN" altLang="en-US"/>
           </a:p>
@@ -3208,7 +3212,7 @@
           <a:p>
             <a:fld id="{530820CF-B880-4189-942D-D702A7CBA730}" type="datetimeFigureOut">
               <a:rPr lang="zh-CN" altLang="en-US" smtClean="0"/>
-              <a:t>2016/8/25</a:t>
+              <a:t>2016/9/9</a:t>
             </a:fld>
             <a:endParaRPr lang="zh-CN" altLang="en-US"/>
           </a:p>
@@ -3449,7 +3453,7 @@
           <a:p>
             <a:fld id="{530820CF-B880-4189-942D-D702A7CBA730}" type="datetimeFigureOut">
               <a:rPr lang="zh-CN" altLang="en-US" smtClean="0"/>
-              <a:t>2016/8/25</a:t>
+              <a:t>2016/9/9</a:t>
             </a:fld>
             <a:endParaRPr lang="zh-CN" altLang="en-US"/>
           </a:p>
@@ -3732,7 +3736,7 @@
           <a:p>
             <a:fld id="{530820CF-B880-4189-942D-D702A7CBA730}" type="datetimeFigureOut">
               <a:rPr lang="zh-CN" altLang="en-US" smtClean="0"/>
-              <a:t>2016/8/25</a:t>
+              <a:t>2016/9/9</a:t>
             </a:fld>
             <a:endParaRPr lang="zh-CN" altLang="en-US"/>
           </a:p>
@@ -4149,7 +4153,7 @@
           <a:p>
             <a:fld id="{530820CF-B880-4189-942D-D702A7CBA730}" type="datetimeFigureOut">
               <a:rPr lang="zh-CN" altLang="en-US" smtClean="0"/>
-              <a:t>2016/8/25</a:t>
+              <a:t>2016/9/9</a:t>
             </a:fld>
             <a:endParaRPr lang="zh-CN" altLang="en-US"/>
           </a:p>
@@ -4262,7 +4266,7 @@
           <a:p>
             <a:fld id="{530820CF-B880-4189-942D-D702A7CBA730}" type="datetimeFigureOut">
               <a:rPr lang="zh-CN" altLang="en-US" smtClean="0"/>
-              <a:t>2016/8/25</a:t>
+              <a:t>2016/9/9</a:t>
             </a:fld>
             <a:endParaRPr lang="zh-CN" altLang="en-US"/>
           </a:p>
@@ -4352,7 +4356,7 @@
           <a:p>
             <a:fld id="{530820CF-B880-4189-942D-D702A7CBA730}" type="datetimeFigureOut">
               <a:rPr lang="zh-CN" altLang="en-US" smtClean="0"/>
-              <a:t>2016/8/25</a:t>
+              <a:t>2016/9/9</a:t>
             </a:fld>
             <a:endParaRPr lang="zh-CN" altLang="en-US"/>
           </a:p>
@@ -4624,7 +4628,7 @@
           <a:p>
             <a:fld id="{530820CF-B880-4189-942D-D702A7CBA730}" type="datetimeFigureOut">
               <a:rPr lang="zh-CN" altLang="en-US" smtClean="0"/>
-              <a:t>2016/8/25</a:t>
+              <a:t>2016/9/9</a:t>
             </a:fld>
             <a:endParaRPr lang="zh-CN" altLang="en-US"/>
           </a:p>
@@ -4872,7 +4876,7 @@
           <a:p>
             <a:fld id="{530820CF-B880-4189-942D-D702A7CBA730}" type="datetimeFigureOut">
               <a:rPr lang="zh-CN" altLang="en-US" smtClean="0"/>
-              <a:t>2016/8/25</a:t>
+              <a:t>2016/9/9</a:t>
             </a:fld>
             <a:endParaRPr lang="zh-CN" altLang="en-US"/>
           </a:p>
@@ -5080,7 +5084,7 @@
           <a:p>
             <a:fld id="{530820CF-B880-4189-942D-D702A7CBA730}" type="datetimeFigureOut">
               <a:rPr lang="zh-CN" altLang="en-US" smtClean="0"/>
-              <a:t>2016/8/25</a:t>
+              <a:t>2016/9/9</a:t>
             </a:fld>
             <a:endParaRPr lang="zh-CN" altLang="en-US"/>
           </a:p>
@@ -9618,11 +9622,7 @@
             </a:r>
             <a:r>
               <a:rPr lang="en-US" altLang="zh-CN"/>
-              <a:t> --password </a:t>
-            </a:r>
-            <a:r>
-              <a:rPr lang="en-US" altLang="zh-CN"/>
-              <a:t>123456 </a:t>
+              <a:t> --password 123456 </a:t>
             </a:r>
             <a:r>
               <a:rPr lang="en-US" altLang="zh-CN" smtClean="0"/>
@@ -9638,6 +9638,198 @@
     <p:extLst>
       <p:ext uri="{BB962C8B-B14F-4D97-AF65-F5344CB8AC3E}">
         <p14:creationId xmlns:p14="http://schemas.microsoft.com/office/powerpoint/2010/main" val="3438312558"/>
+      </p:ext>
+    </p:extLst>
+  </p:cSld>
+  <p:clrMapOvr>
+    <a:masterClrMapping/>
+  </p:clrMapOvr>
+</p:sld>
+</file>
+
+<file path=ppt/slides/slide29.xml><?xml version="1.0" encoding="utf-8"?>
+<p:sld xmlns:a="http://schemas.openxmlformats.org/drawingml/2006/main" xmlns:r="http://schemas.openxmlformats.org/officeDocument/2006/relationships" xmlns:p="http://schemas.openxmlformats.org/presentationml/2006/main">
+  <p:cSld>
+    <p:spTree>
+      <p:nvGrpSpPr>
+        <p:cNvPr id="1" name=""/>
+        <p:cNvGrpSpPr/>
+        <p:nvPr/>
+      </p:nvGrpSpPr>
+      <p:grpSpPr>
+        <a:xfrm>
+          <a:off x="0" y="0"/>
+          <a:ext cx="0" cy="0"/>
+          <a:chOff x="0" y="0"/>
+          <a:chExt cx="0" cy="0"/>
+        </a:xfrm>
+      </p:grpSpPr>
+      <p:sp>
+        <p:nvSpPr>
+          <p:cNvPr id="2" name="标题 1"/>
+          <p:cNvSpPr>
+            <a:spLocks noGrp="1"/>
+          </p:cNvSpPr>
+          <p:nvPr>
+            <p:ph type="title"/>
+          </p:nvPr>
+        </p:nvSpPr>
+        <p:spPr/>
+        <p:txBody>
+          <a:bodyPr/>
+          <a:lstStyle/>
+          <a:p>
+            <a:r>
+              <a:rPr lang="en-US" altLang="zh-CN" dirty="0" smtClean="0"/>
+              <a:t>.120</a:t>
+            </a:r>
+            <a:endParaRPr lang="zh-CN" altLang="en-US" dirty="0"/>
+          </a:p>
+        </p:txBody>
+      </p:sp>
+      <p:sp>
+        <p:nvSpPr>
+          <p:cNvPr id="3" name="内容占位符 2"/>
+          <p:cNvSpPr>
+            <a:spLocks noGrp="1"/>
+          </p:cNvSpPr>
+          <p:nvPr>
+            <p:ph idx="1"/>
+          </p:nvPr>
+        </p:nvSpPr>
+        <p:spPr/>
+        <p:txBody>
+          <a:bodyPr>
+            <a:normAutofit lnSpcReduction="10000"/>
+          </a:bodyPr>
+          <a:lstStyle/>
+          <a:p>
+            <a:r>
+              <a:rPr lang="en-US" altLang="zh-CN" dirty="0" err="1"/>
+              <a:t>docker</a:t>
+            </a:r>
+            <a:r>
+              <a:rPr lang="en-US" altLang="zh-CN" dirty="0"/>
+              <a:t> run -p 81:8080 -t -d -v /</a:t>
+            </a:r>
+            <a:r>
+              <a:rPr lang="en-US" altLang="zh-CN" dirty="0" err="1"/>
+              <a:t>jenkins</a:t>
+            </a:r>
+            <a:r>
+              <a:rPr lang="en-US" altLang="zh-CN" dirty="0"/>
+              <a:t>:/</a:t>
+            </a:r>
+            <a:r>
+              <a:rPr lang="en-US" altLang="zh-CN" dirty="0" err="1"/>
+              <a:t>jenkins</a:t>
+            </a:r>
+            <a:r>
+              <a:rPr lang="en-US" altLang="zh-CN" dirty="0"/>
+              <a:t> --name </a:t>
+            </a:r>
+            <a:r>
+              <a:rPr lang="en-US" altLang="zh-CN" dirty="0" err="1"/>
+              <a:t>zy_jenkins</a:t>
+            </a:r>
+            <a:r>
+              <a:rPr lang="en-US" altLang="zh-CN" dirty="0"/>
+              <a:t> </a:t>
+            </a:r>
+            <a:r>
+              <a:rPr lang="en-US" altLang="zh-CN" dirty="0" err="1" smtClean="0"/>
+              <a:t>stephenreed</a:t>
+            </a:r>
+            <a:r>
+              <a:rPr lang="en-US" altLang="zh-CN" dirty="0" smtClean="0"/>
+              <a:t>/jenkins-java8-maven-git</a:t>
+            </a:r>
+          </a:p>
+          <a:p>
+            <a:endParaRPr lang="en-US" altLang="zh-CN" dirty="0" smtClean="0"/>
+          </a:p>
+          <a:p>
+            <a:r>
+              <a:rPr lang="en-US" altLang="zh-CN" dirty="0" err="1"/>
+              <a:t>docker</a:t>
+            </a:r>
+            <a:r>
+              <a:rPr lang="en-US" altLang="zh-CN" dirty="0"/>
+              <a:t> run -p 81:8080 -t -d -v /</a:t>
+            </a:r>
+            <a:r>
+              <a:rPr lang="en-US" altLang="zh-CN" dirty="0" err="1"/>
+              <a:t>jenkins</a:t>
+            </a:r>
+            <a:r>
+              <a:rPr lang="en-US" altLang="zh-CN" dirty="0"/>
+              <a:t>:/</a:t>
+            </a:r>
+            <a:r>
+              <a:rPr lang="en-US" altLang="zh-CN" dirty="0" err="1"/>
+              <a:t>jenkins</a:t>
+            </a:r>
+            <a:r>
+              <a:rPr lang="en-US" altLang="zh-CN" dirty="0"/>
+              <a:t> --name docker.io/</a:t>
+            </a:r>
+            <a:r>
+              <a:rPr lang="en-US" altLang="zh-CN" dirty="0" err="1"/>
+              <a:t>jenkins</a:t>
+            </a:r>
+            <a:endParaRPr lang="en-US" altLang="zh-CN" dirty="0"/>
+          </a:p>
+          <a:p>
+            <a:endParaRPr lang="en-US" altLang="zh-CN" dirty="0"/>
+          </a:p>
+          <a:p>
+            <a:r>
+              <a:rPr lang="en-US" altLang="zh-CN" dirty="0" err="1"/>
+              <a:t>docker</a:t>
+            </a:r>
+            <a:r>
+              <a:rPr lang="en-US" altLang="zh-CN" dirty="0"/>
+              <a:t> run -p </a:t>
+            </a:r>
+            <a:r>
+              <a:rPr lang="en-US" altLang="zh-CN" dirty="0" smtClean="0"/>
+              <a:t>82:8080 </a:t>
+            </a:r>
+            <a:r>
+              <a:rPr lang="en-US" altLang="zh-CN" dirty="0"/>
+              <a:t>-p 50000:50000 -v /opt/home:/</a:t>
+            </a:r>
+            <a:r>
+              <a:rPr lang="en-US" altLang="zh-CN" dirty="0" err="1"/>
+              <a:t>var</a:t>
+            </a:r>
+            <a:r>
+              <a:rPr lang="en-US" altLang="zh-CN" dirty="0"/>
+              <a:t>/</a:t>
+            </a:r>
+            <a:r>
+              <a:rPr lang="en-US" altLang="zh-CN" dirty="0" err="1"/>
+              <a:t>jenkins_home</a:t>
+            </a:r>
+            <a:r>
+              <a:rPr lang="en-US" altLang="zh-CN" dirty="0"/>
+              <a:t> </a:t>
+            </a:r>
+            <a:r>
+              <a:rPr lang="en-US" altLang="zh-CN" dirty="0" err="1"/>
+              <a:t>jenkins</a:t>
+            </a:r>
+            <a:endParaRPr lang="en-US" altLang="zh-CN" dirty="0"/>
+          </a:p>
+          <a:p>
+            <a:endParaRPr lang="zh-CN" altLang="en-US" dirty="0"/>
+          </a:p>
+        </p:txBody>
+      </p:sp>
+    </p:spTree>
+    <p:extLst>
+      <p:ext uri="{BB962C8B-B14F-4D97-AF65-F5344CB8AC3E}">
+        <p14:creationId xmlns:p14="http://schemas.microsoft.com/office/powerpoint/2010/main" val="2010586162"/>
       </p:ext>
     </p:extLst>
   </p:cSld>
@@ -9751,6 +9943,450 @@
     <p:extLst>
       <p:ext uri="{BB962C8B-B14F-4D97-AF65-F5344CB8AC3E}">
         <p14:creationId xmlns:p14="http://schemas.microsoft.com/office/powerpoint/2010/main" val="2082270083"/>
+      </p:ext>
+    </p:extLst>
+  </p:cSld>
+  <p:clrMapOvr>
+    <a:masterClrMapping/>
+  </p:clrMapOvr>
+</p:sld>
+</file>
+
+<file path=ppt/slides/slide30.xml><?xml version="1.0" encoding="utf-8"?>
+<p:sld xmlns:a="http://schemas.openxmlformats.org/drawingml/2006/main" xmlns:r="http://schemas.openxmlformats.org/officeDocument/2006/relationships" xmlns:p="http://schemas.openxmlformats.org/presentationml/2006/main">
+  <p:cSld>
+    <p:spTree>
+      <p:nvGrpSpPr>
+        <p:cNvPr id="1" name=""/>
+        <p:cNvGrpSpPr/>
+        <p:nvPr/>
+      </p:nvGrpSpPr>
+      <p:grpSpPr>
+        <a:xfrm>
+          <a:off x="0" y="0"/>
+          <a:ext cx="0" cy="0"/>
+          <a:chOff x="0" y="0"/>
+          <a:chExt cx="0" cy="0"/>
+        </a:xfrm>
+      </p:grpSpPr>
+      <p:sp>
+        <p:nvSpPr>
+          <p:cNvPr id="2" name="标题 1"/>
+          <p:cNvSpPr>
+            <a:spLocks noGrp="1"/>
+          </p:cNvSpPr>
+          <p:nvPr>
+            <p:ph type="title"/>
+          </p:nvPr>
+        </p:nvSpPr>
+        <p:spPr/>
+        <p:txBody>
+          <a:bodyPr/>
+          <a:lstStyle/>
+          <a:p>
+            <a:r>
+              <a:rPr lang="en-US" altLang="zh-CN" dirty="0" smtClean="0"/>
+              <a:t>120</a:t>
+            </a:r>
+            <a:endParaRPr lang="zh-CN" altLang="en-US" dirty="0"/>
+          </a:p>
+        </p:txBody>
+      </p:sp>
+      <p:sp>
+        <p:nvSpPr>
+          <p:cNvPr id="3" name="内容占位符 2"/>
+          <p:cNvSpPr>
+            <a:spLocks noGrp="1"/>
+          </p:cNvSpPr>
+          <p:nvPr>
+            <p:ph idx="1"/>
+          </p:nvPr>
+        </p:nvSpPr>
+        <p:spPr/>
+        <p:txBody>
+          <a:bodyPr>
+            <a:normAutofit lnSpcReduction="10000"/>
+          </a:bodyPr>
+          <a:lstStyle/>
+          <a:p>
+            <a:r>
+              <a:rPr lang="en-US" altLang="zh-CN" dirty="0" smtClean="0"/>
+              <a:t>Maven </a:t>
+            </a:r>
+            <a:r>
+              <a:rPr lang="zh-CN" altLang="en-US" dirty="0" smtClean="0"/>
+              <a:t>宿主机环境</a:t>
+            </a:r>
+            <a:endParaRPr lang="en-US" altLang="zh-CN" dirty="0" smtClean="0"/>
+          </a:p>
+          <a:p>
+            <a:r>
+              <a:rPr lang="en-US" altLang="zh-CN" dirty="0" smtClean="0"/>
+              <a:t> maven</a:t>
+            </a:r>
+          </a:p>
+          <a:p>
+            <a:r>
+              <a:rPr lang="en-US" altLang="zh-CN" dirty="0" err="1" smtClean="0"/>
+              <a:t>Jdk</a:t>
+            </a:r>
+            <a:endParaRPr lang="en-US" altLang="zh-CN" dirty="0" smtClean="0"/>
+          </a:p>
+          <a:p>
+            <a:r>
+              <a:rPr lang="en-US" altLang="zh-CN" dirty="0"/>
+              <a:t>yum install </a:t>
+            </a:r>
+            <a:r>
+              <a:rPr lang="en-US" altLang="zh-CN" dirty="0" smtClean="0"/>
+              <a:t>maven</a:t>
+            </a:r>
+          </a:p>
+          <a:p>
+            <a:r>
+              <a:rPr lang="en-US" altLang="zh-CN" dirty="0" smtClean="0"/>
+              <a:t>yum </a:t>
+            </a:r>
+            <a:r>
+              <a:rPr lang="en-US" altLang="zh-CN" dirty="0"/>
+              <a:t>install </a:t>
+            </a:r>
+            <a:r>
+              <a:rPr lang="en-US" altLang="zh-CN" dirty="0" err="1" smtClean="0"/>
+              <a:t>git</a:t>
+            </a:r>
+            <a:endParaRPr lang="en-US" altLang="zh-CN" dirty="0" smtClean="0"/>
+          </a:p>
+          <a:p>
+            <a:r>
+              <a:rPr lang="en-US" altLang="zh-CN" dirty="0" err="1"/>
+              <a:t>docker</a:t>
+            </a:r>
+            <a:r>
+              <a:rPr lang="en-US" altLang="zh-CN" dirty="0"/>
+              <a:t> save </a:t>
+            </a:r>
+            <a:r>
+              <a:rPr lang="en-US" altLang="zh-CN" dirty="0" err="1"/>
+              <a:t>stephenreed</a:t>
+            </a:r>
+            <a:r>
+              <a:rPr lang="en-US" altLang="zh-CN" dirty="0"/>
+              <a:t>/jenkins-java8-maven-git &gt; jenkins.tar.gz</a:t>
+            </a:r>
+            <a:endParaRPr lang="zh-CN" altLang="en-US" dirty="0"/>
+          </a:p>
+          <a:p>
+            <a:r>
+              <a:rPr lang="en-US" altLang="zh-CN" dirty="0" err="1" smtClean="0"/>
+              <a:t>docker</a:t>
+            </a:r>
+            <a:r>
+              <a:rPr lang="en-US" altLang="zh-CN" dirty="0" smtClean="0"/>
+              <a:t> </a:t>
+            </a:r>
+            <a:r>
+              <a:rPr lang="en-US" altLang="zh-CN" dirty="0"/>
+              <a:t>load &lt; jenkins.tar.gz</a:t>
+            </a:r>
+            <a:endParaRPr lang="zh-CN" altLang="en-US" dirty="0"/>
+          </a:p>
+        </p:txBody>
+      </p:sp>
+      <p:graphicFrame>
+        <p:nvGraphicFramePr>
+          <p:cNvPr id="4" name="对象 3"/>
+          <p:cNvGraphicFramePr>
+            <a:graphicFrameLocks noChangeAspect="1"/>
+          </p:cNvGraphicFramePr>
+          <p:nvPr>
+            <p:extLst>
+              <p:ext uri="{D42A27DB-BD31-4B8C-83A1-F6EECF244321}">
+                <p14:modId xmlns:p14="http://schemas.microsoft.com/office/powerpoint/2010/main" val="1950706579"/>
+              </p:ext>
+            </p:extLst>
+          </p:nvPr>
+        </p:nvGraphicFramePr>
+        <p:xfrm>
+          <a:off x="5436096" y="3356992"/>
+          <a:ext cx="1092200" cy="711200"/>
+        </p:xfrm>
+        <a:graphic>
+          <a:graphicData uri="http://schemas.openxmlformats.org/presentationml/2006/ole">
+            <mc:AlternateContent xmlns:mc="http://schemas.openxmlformats.org/markup-compatibility/2006">
+              <mc:Choice xmlns:v="urn:schemas-microsoft-com:vml" Requires="v">
+                <p:oleObj spid="_x0000_s1032" name="包装程序外壳对象" showAsIcon="1" r:id="rId3" imgW="1092600" imgH="711360" progId="Package">
+                  <p:embed/>
+                </p:oleObj>
+              </mc:Choice>
+              <mc:Fallback>
+                <p:oleObj name="包装程序外壳对象" showAsIcon="1" r:id="rId3" imgW="1092600" imgH="711360" progId="Package">
+                  <p:embed/>
+                  <p:pic>
+                    <p:nvPicPr>
+                      <p:cNvPr id="0" name=""/>
+                      <p:cNvPicPr/>
+                      <p:nvPr/>
+                    </p:nvPicPr>
+                    <p:blipFill>
+                      <a:blip r:embed="rId4"/>
+                      <a:stretch>
+                        <a:fillRect/>
+                      </a:stretch>
+                    </p:blipFill>
+                    <p:spPr>
+                      <a:xfrm>
+                        <a:off x="5436096" y="3356992"/>
+                        <a:ext cx="1092200" cy="711200"/>
+                      </a:xfrm>
+                      <a:prstGeom prst="rect">
+                        <a:avLst/>
+                      </a:prstGeom>
+                    </p:spPr>
+                  </p:pic>
+                </p:oleObj>
+              </mc:Fallback>
+            </mc:AlternateContent>
+          </a:graphicData>
+        </a:graphic>
+      </p:graphicFrame>
+    </p:spTree>
+    <p:extLst>
+      <p:ext uri="{BB962C8B-B14F-4D97-AF65-F5344CB8AC3E}">
+        <p14:creationId xmlns:p14="http://schemas.microsoft.com/office/powerpoint/2010/main" val="3889856375"/>
+      </p:ext>
+    </p:extLst>
+  </p:cSld>
+  <p:clrMapOvr>
+    <a:masterClrMapping/>
+  </p:clrMapOvr>
+</p:sld>
+</file>
+
+<file path=ppt/slides/slide31.xml><?xml version="1.0" encoding="utf-8"?>
+<p:sld xmlns:a="http://schemas.openxmlformats.org/drawingml/2006/main" xmlns:r="http://schemas.openxmlformats.org/officeDocument/2006/relationships" xmlns:p="http://schemas.openxmlformats.org/presentationml/2006/main">
+  <p:cSld>
+    <p:spTree>
+      <p:nvGrpSpPr>
+        <p:cNvPr id="1" name=""/>
+        <p:cNvGrpSpPr/>
+        <p:nvPr/>
+      </p:nvGrpSpPr>
+      <p:grpSpPr>
+        <a:xfrm>
+          <a:off x="0" y="0"/>
+          <a:ext cx="0" cy="0"/>
+          <a:chOff x="0" y="0"/>
+          <a:chExt cx="0" cy="0"/>
+        </a:xfrm>
+      </p:grpSpPr>
+      <p:sp>
+        <p:nvSpPr>
+          <p:cNvPr id="2" name="标题 1"/>
+          <p:cNvSpPr>
+            <a:spLocks noGrp="1"/>
+          </p:cNvSpPr>
+          <p:nvPr>
+            <p:ph type="title"/>
+          </p:nvPr>
+        </p:nvSpPr>
+        <p:spPr/>
+        <p:txBody>
+          <a:bodyPr/>
+          <a:lstStyle/>
+          <a:p>
+            <a:endParaRPr lang="zh-CN" altLang="en-US"/>
+          </a:p>
+        </p:txBody>
+      </p:sp>
+      <p:sp>
+        <p:nvSpPr>
+          <p:cNvPr id="3" name="内容占位符 2"/>
+          <p:cNvSpPr>
+            <a:spLocks noGrp="1"/>
+          </p:cNvSpPr>
+          <p:nvPr>
+            <p:ph idx="1"/>
+          </p:nvPr>
+        </p:nvSpPr>
+        <p:spPr/>
+        <p:txBody>
+          <a:bodyPr/>
+          <a:lstStyle/>
+          <a:p>
+            <a:r>
+              <a:rPr lang="en-US" altLang="zh-CN" dirty="0">
+                <a:hlinkClick r:id="rId2"/>
+              </a:rPr>
+              <a:t>http://</a:t>
+            </a:r>
+            <a:r>
+              <a:rPr lang="en-US" altLang="zh-CN" dirty="0" smtClean="0">
+                <a:hlinkClick r:id="rId2"/>
+              </a:rPr>
+              <a:t>blog.csdn.net/ownfire/article/details/50274335</a:t>
+            </a:r>
+            <a:endParaRPr lang="en-US" altLang="zh-CN" dirty="0" smtClean="0"/>
+          </a:p>
+          <a:p>
+            <a:endParaRPr lang="en-US" altLang="zh-CN" dirty="0"/>
+          </a:p>
+          <a:p>
+            <a:r>
+              <a:rPr lang="en-US" altLang="zh-CN" dirty="0" err="1"/>
+              <a:t>docker</a:t>
+            </a:r>
+            <a:r>
+              <a:rPr lang="en-US" altLang="zh-CN" dirty="0"/>
+              <a:t> pull </a:t>
+            </a:r>
+            <a:r>
+              <a:rPr lang="en-US" altLang="zh-CN" dirty="0" err="1" smtClean="0"/>
+              <a:t>mysql</a:t>
+            </a:r>
+            <a:endParaRPr lang="en-US" altLang="zh-CN" dirty="0" smtClean="0"/>
+          </a:p>
+          <a:p>
+            <a:r>
+              <a:rPr lang="en-US" altLang="zh-CN" dirty="0" err="1"/>
+              <a:t>docker</a:t>
+            </a:r>
+            <a:r>
+              <a:rPr lang="en-US" altLang="zh-CN" dirty="0"/>
+              <a:t> run -v /data/</a:t>
+            </a:r>
+            <a:r>
+              <a:rPr lang="en-US" altLang="zh-CN" dirty="0" err="1"/>
+              <a:t>var</a:t>
+            </a:r>
+            <a:r>
+              <a:rPr lang="en-US" altLang="zh-CN" dirty="0"/>
+              <a:t>/</a:t>
+            </a:r>
+            <a:r>
+              <a:rPr lang="en-US" altLang="zh-CN" dirty="0" err="1"/>
+              <a:t>mysql</a:t>
+            </a:r>
+            <a:r>
+              <a:rPr lang="en-US" altLang="zh-CN" dirty="0"/>
+              <a:t>/:/</a:t>
+            </a:r>
+            <a:r>
+              <a:rPr lang="en-US" altLang="zh-CN" dirty="0" err="1"/>
+              <a:t>var</a:t>
+            </a:r>
+            <a:r>
+              <a:rPr lang="en-US" altLang="zh-CN" dirty="0"/>
+              <a:t>/lib/</a:t>
+            </a:r>
+            <a:r>
+              <a:rPr lang="en-US" altLang="zh-CN" dirty="0" err="1"/>
+              <a:t>mysql</a:t>
+            </a:r>
+            <a:r>
+              <a:rPr lang="en-US" altLang="zh-CN" dirty="0"/>
+              <a:t> -e MYSQL_ROOT_PASSWORD=kS4pJUIb </a:t>
+            </a:r>
+            <a:r>
+              <a:rPr lang="en-US" altLang="zh-CN" dirty="0" err="1"/>
+              <a:t>mysql</a:t>
+            </a:r>
+            <a:endParaRPr lang="zh-CN" altLang="en-US" dirty="0"/>
+          </a:p>
+        </p:txBody>
+      </p:sp>
+    </p:spTree>
+    <p:extLst>
+      <p:ext uri="{BB962C8B-B14F-4D97-AF65-F5344CB8AC3E}">
+        <p14:creationId xmlns:p14="http://schemas.microsoft.com/office/powerpoint/2010/main" val="1354760205"/>
+      </p:ext>
+    </p:extLst>
+  </p:cSld>
+  <p:clrMapOvr>
+    <a:masterClrMapping/>
+  </p:clrMapOvr>
+</p:sld>
+</file>
+
+<file path=ppt/slides/slide32.xml><?xml version="1.0" encoding="utf-8"?>
+<p:sld xmlns:a="http://schemas.openxmlformats.org/drawingml/2006/main" xmlns:r="http://schemas.openxmlformats.org/officeDocument/2006/relationships" xmlns:p="http://schemas.openxmlformats.org/presentationml/2006/main">
+  <p:cSld>
+    <p:spTree>
+      <p:nvGrpSpPr>
+        <p:cNvPr id="1" name=""/>
+        <p:cNvGrpSpPr/>
+        <p:nvPr/>
+      </p:nvGrpSpPr>
+      <p:grpSpPr>
+        <a:xfrm>
+          <a:off x="0" y="0"/>
+          <a:ext cx="0" cy="0"/>
+          <a:chOff x="0" y="0"/>
+          <a:chExt cx="0" cy="0"/>
+        </a:xfrm>
+      </p:grpSpPr>
+      <p:sp>
+        <p:nvSpPr>
+          <p:cNvPr id="2" name="标题 1"/>
+          <p:cNvSpPr>
+            <a:spLocks noGrp="1"/>
+          </p:cNvSpPr>
+          <p:nvPr>
+            <p:ph type="title"/>
+          </p:nvPr>
+        </p:nvSpPr>
+        <p:spPr/>
+        <p:txBody>
+          <a:bodyPr/>
+          <a:lstStyle/>
+          <a:p>
+            <a:endParaRPr lang="zh-CN" altLang="en-US"/>
+          </a:p>
+        </p:txBody>
+      </p:sp>
+      <p:sp>
+        <p:nvSpPr>
+          <p:cNvPr id="3" name="内容占位符 2"/>
+          <p:cNvSpPr>
+            <a:spLocks noGrp="1"/>
+          </p:cNvSpPr>
+          <p:nvPr>
+            <p:ph idx="1"/>
+          </p:nvPr>
+        </p:nvSpPr>
+        <p:spPr/>
+        <p:txBody>
+          <a:bodyPr/>
+          <a:lstStyle/>
+          <a:p>
+            <a:r>
+              <a:rPr lang="en-US" altLang="zh-CN" dirty="0"/>
+              <a:t>GRANT ALL PRIVILEGES ON *.* TO </a:t>
+            </a:r>
+            <a:r>
+              <a:rPr lang="en-US" altLang="zh-CN" dirty="0" smtClean="0"/>
+              <a:t>‘root'@'%</a:t>
+            </a:r>
+            <a:r>
+              <a:rPr lang="en-US" altLang="zh-CN" dirty="0"/>
+              <a:t>'IDENTIFIED BY </a:t>
+            </a:r>
+            <a:r>
+              <a:rPr lang="en-US" altLang="zh-CN" dirty="0" smtClean="0"/>
+              <a:t>‘3g2win.com' </a:t>
+            </a:r>
+            <a:r>
+              <a:rPr lang="en-US" altLang="zh-CN" dirty="0"/>
+              <a:t>WITH GRANT OPTION; </a:t>
+            </a:r>
+            <a:endParaRPr lang="zh-CN" altLang="en-US" dirty="0"/>
+          </a:p>
+        </p:txBody>
+      </p:sp>
+    </p:spTree>
+    <p:extLst>
+      <p:ext uri="{BB962C8B-B14F-4D97-AF65-F5344CB8AC3E}">
+        <p14:creationId xmlns:p14="http://schemas.microsoft.com/office/powerpoint/2010/main" val="658828722"/>
       </p:ext>
     </p:extLst>
   </p:cSld>
